--- a/docs/TechCast Days Presentation V2.pptx
+++ b/docs/TechCast Days Presentation V2.pptx
@@ -289,7 +289,7 @@
           <a:p>
             <a:fld id="{99AEB3A2-0A69-4187-B874-47F797502FC9}" type="datetimeFigureOut">
               <a:rPr lang="en-US" smtClean="0"/>
-              <a:t>10/5/20</a:t>
+              <a:t>10/12/20</a:t>
             </a:fld>
             <a:endParaRPr lang="en-US" dirty="0"/>
           </a:p>
@@ -487,7 +487,7 @@
           <a:p>
             <a:fld id="{99AEB3A2-0A69-4187-B874-47F797502FC9}" type="datetimeFigureOut">
               <a:rPr lang="en-US" smtClean="0"/>
-              <a:t>10/5/20</a:t>
+              <a:t>10/12/20</a:t>
             </a:fld>
             <a:endParaRPr lang="en-US" dirty="0"/>
           </a:p>
@@ -695,7 +695,7 @@
           <a:p>
             <a:fld id="{99AEB3A2-0A69-4187-B874-47F797502FC9}" type="datetimeFigureOut">
               <a:rPr lang="en-US" smtClean="0"/>
-              <a:t>10/5/20</a:t>
+              <a:t>10/12/20</a:t>
             </a:fld>
             <a:endParaRPr lang="en-US" dirty="0"/>
           </a:p>
@@ -893,7 +893,7 @@
           <a:p>
             <a:fld id="{99AEB3A2-0A69-4187-B874-47F797502FC9}" type="datetimeFigureOut">
               <a:rPr lang="en-US" smtClean="0"/>
-              <a:t>10/5/20</a:t>
+              <a:t>10/12/20</a:t>
             </a:fld>
             <a:endParaRPr lang="en-US" dirty="0"/>
           </a:p>
@@ -1168,7 +1168,7 @@
           <a:p>
             <a:fld id="{99AEB3A2-0A69-4187-B874-47F797502FC9}" type="datetimeFigureOut">
               <a:rPr lang="en-US" smtClean="0"/>
-              <a:t>10/5/20</a:t>
+              <a:t>10/12/20</a:t>
             </a:fld>
             <a:endParaRPr lang="en-US" dirty="0"/>
           </a:p>
@@ -1433,7 +1433,7 @@
           <a:p>
             <a:fld id="{99AEB3A2-0A69-4187-B874-47F797502FC9}" type="datetimeFigureOut">
               <a:rPr lang="en-US" smtClean="0"/>
-              <a:t>10/5/20</a:t>
+              <a:t>10/12/20</a:t>
             </a:fld>
             <a:endParaRPr lang="en-US" dirty="0"/>
           </a:p>
@@ -1845,7 +1845,7 @@
           <a:p>
             <a:fld id="{99AEB3A2-0A69-4187-B874-47F797502FC9}" type="datetimeFigureOut">
               <a:rPr lang="en-US" smtClean="0"/>
-              <a:t>10/5/20</a:t>
+              <a:t>10/12/20</a:t>
             </a:fld>
             <a:endParaRPr lang="en-US" dirty="0"/>
           </a:p>
@@ -1986,7 +1986,7 @@
           <a:p>
             <a:fld id="{99AEB3A2-0A69-4187-B874-47F797502FC9}" type="datetimeFigureOut">
               <a:rPr lang="en-US" smtClean="0"/>
-              <a:t>10/5/20</a:t>
+              <a:t>10/12/20</a:t>
             </a:fld>
             <a:endParaRPr lang="en-US" dirty="0"/>
           </a:p>
@@ -2099,7 +2099,7 @@
           <a:p>
             <a:fld id="{99AEB3A2-0A69-4187-B874-47F797502FC9}" type="datetimeFigureOut">
               <a:rPr lang="en-US" smtClean="0"/>
-              <a:t>10/5/20</a:t>
+              <a:t>10/12/20</a:t>
             </a:fld>
             <a:endParaRPr lang="en-US" dirty="0"/>
           </a:p>
@@ -2410,7 +2410,7 @@
           <a:p>
             <a:fld id="{99AEB3A2-0A69-4187-B874-47F797502FC9}" type="datetimeFigureOut">
               <a:rPr lang="en-US" smtClean="0"/>
-              <a:t>10/5/20</a:t>
+              <a:t>10/12/20</a:t>
             </a:fld>
             <a:endParaRPr lang="en-US" dirty="0"/>
           </a:p>
@@ -2698,7 +2698,7 @@
           <a:p>
             <a:fld id="{99AEB3A2-0A69-4187-B874-47F797502FC9}" type="datetimeFigureOut">
               <a:rPr lang="en-US" smtClean="0"/>
-              <a:t>10/5/20</a:t>
+              <a:t>10/12/20</a:t>
             </a:fld>
             <a:endParaRPr lang="en-US" dirty="0"/>
           </a:p>
@@ -2939,7 +2939,7 @@
           <a:p>
             <a:fld id="{99AEB3A2-0A69-4187-B874-47F797502FC9}" type="datetimeFigureOut">
               <a:rPr lang="en-US" smtClean="0"/>
-              <a:t>10/5/20</a:t>
+              <a:t>10/12/20</a:t>
             </a:fld>
             <a:endParaRPr lang="en-US" dirty="0"/>
           </a:p>
@@ -7193,6 +7193,79 @@
           </a:p>
         </p:txBody>
       </p:sp>
+      <p:pic>
+        <p:nvPicPr>
+          <p:cNvPr id="2" name="Picture 1">
+            <a:extLst>
+              <a:ext uri="{FF2B5EF4-FFF2-40B4-BE49-F238E27FC236}">
+                <a16:creationId xmlns:a16="http://schemas.microsoft.com/office/drawing/2014/main" id="{28B667E8-63DF-C548-A8F9-2DAF68854C19}"/>
+              </a:ext>
+            </a:extLst>
+          </p:cNvPr>
+          <p:cNvPicPr>
+            <a:picLocks noChangeAspect="1"/>
+          </p:cNvPicPr>
+          <p:nvPr/>
+        </p:nvPicPr>
+        <p:blipFill rotWithShape="1">
+          <a:blip r:embed="rId6"/>
+          <a:srcRect l="55525" t="51995"/>
+          <a:stretch/>
+        </p:blipFill>
+        <p:spPr>
+          <a:xfrm>
+            <a:off x="9712629" y="3370901"/>
+            <a:ext cx="1840992" cy="1651183"/>
+          </a:xfrm>
+          <a:prstGeom prst="rect">
+            <a:avLst/>
+          </a:prstGeom>
+          <a:ln>
+            <a:solidFill>
+              <a:srgbClr val="0070C0"/>
+            </a:solidFill>
+          </a:ln>
+        </p:spPr>
+      </p:pic>
+      <p:cxnSp>
+        <p:nvCxnSpPr>
+          <p:cNvPr id="4" name="Straight Arrow Connector 3">
+            <a:extLst>
+              <a:ext uri="{FF2B5EF4-FFF2-40B4-BE49-F238E27FC236}">
+                <a16:creationId xmlns:a16="http://schemas.microsoft.com/office/drawing/2014/main" id="{A153A27E-B9D0-5D42-AD91-D8F73803723B}"/>
+              </a:ext>
+            </a:extLst>
+          </p:cNvPr>
+          <p:cNvCxnSpPr/>
+          <p:nvPr/>
+        </p:nvCxnSpPr>
+        <p:spPr>
+          <a:xfrm>
+            <a:off x="9207795" y="4114800"/>
+            <a:ext cx="504834" cy="0"/>
+          </a:xfrm>
+          <a:prstGeom prst="straightConnector1">
+            <a:avLst/>
+          </a:prstGeom>
+          <a:ln>
+            <a:tailEnd type="triangle"/>
+          </a:ln>
+        </p:spPr>
+        <p:style>
+          <a:lnRef idx="1">
+            <a:schemeClr val="accent1"/>
+          </a:lnRef>
+          <a:fillRef idx="0">
+            <a:schemeClr val="accent1"/>
+          </a:fillRef>
+          <a:effectRef idx="0">
+            <a:schemeClr val="accent1"/>
+          </a:effectRef>
+          <a:fontRef idx="minor">
+            <a:schemeClr val="tx1"/>
+          </a:fontRef>
+        </p:style>
+      </p:cxnSp>
     </p:spTree>
     <p:extLst>
       <p:ext uri="{BB962C8B-B14F-4D97-AF65-F5344CB8AC3E}">
@@ -17934,18 +18007,18 @@
 </file>
 
 <file path=customXml/item1.xml><?xml version="1.0" encoding="utf-8"?>
-<p:properties xmlns:p="http://schemas.microsoft.com/office/2006/metadata/properties" xmlns:xsi="http://www.w3.org/2001/XMLSchema-instance" xmlns:pc="http://schemas.microsoft.com/office/infopath/2007/PartnerControls">
-  <documentManagement/>
-</p:properties>
-</file>
-
-<file path=customXml/item2.xml><?xml version="1.0" encoding="utf-8"?>
 <?mso-contentType ?>
 <FormTemplates xmlns="http://schemas.microsoft.com/sharepoint/v3/contenttype/forms">
   <Display>DocumentLibraryForm</Display>
   <Edit>DocumentLibraryForm</Edit>
   <New>DocumentLibraryForm</New>
 </FormTemplates>
+</file>
+
+<file path=customXml/item2.xml><?xml version="1.0" encoding="utf-8"?>
+<p:properties xmlns:p="http://schemas.microsoft.com/office/2006/metadata/properties" xmlns:xsi="http://www.w3.org/2001/XMLSchema-instance" xmlns:pc="http://schemas.microsoft.com/office/infopath/2007/PartnerControls">
+  <documentManagement/>
+</p:properties>
 </file>
 
 <file path=customXml/item3.xml><?xml version="1.0" encoding="utf-8"?>
@@ -18172,18 +18245,18 @@
 </file>
 
 <file path=customXml/itemProps1.xml><?xml version="1.0" encoding="utf-8"?>
-<ds:datastoreItem xmlns:ds="http://schemas.openxmlformats.org/officeDocument/2006/customXml" ds:itemID="{6AFDE57C-5724-41A1-B02B-1FA4B00EB6A8}">
+<ds:datastoreItem xmlns:ds="http://schemas.openxmlformats.org/officeDocument/2006/customXml" ds:itemID="{913C2AF8-B5CB-47A7-9DEA-05CB3D85B114}">
   <ds:schemaRefs>
-    <ds:schemaRef ds:uri="http://schemas.microsoft.com/office/2006/metadata/properties"/>
-    <ds:schemaRef ds:uri="http://schemas.microsoft.com/office/infopath/2007/PartnerControls"/>
+    <ds:schemaRef ds:uri="http://schemas.microsoft.com/sharepoint/v3/contenttype/forms"/>
   </ds:schemaRefs>
 </ds:datastoreItem>
 </file>
 
 <file path=customXml/itemProps2.xml><?xml version="1.0" encoding="utf-8"?>
-<ds:datastoreItem xmlns:ds="http://schemas.openxmlformats.org/officeDocument/2006/customXml" ds:itemID="{913C2AF8-B5CB-47A7-9DEA-05CB3D85B114}">
+<ds:datastoreItem xmlns:ds="http://schemas.openxmlformats.org/officeDocument/2006/customXml" ds:itemID="{6AFDE57C-5724-41A1-B02B-1FA4B00EB6A8}">
   <ds:schemaRefs>
-    <ds:schemaRef ds:uri="http://schemas.microsoft.com/sharepoint/v3/contenttype/forms"/>
+    <ds:schemaRef ds:uri="http://schemas.microsoft.com/office/2006/metadata/properties"/>
+    <ds:schemaRef ds:uri="http://schemas.microsoft.com/office/infopath/2007/PartnerControls"/>
   </ds:schemaRefs>
 </ds:datastoreItem>
 </file>

--- a/docs/TechCast Days Presentation V2.pptx
+++ b/docs/TechCast Days Presentation V2.pptx
@@ -289,7 +289,7 @@
           <a:p>
             <a:fld id="{99AEB3A2-0A69-4187-B874-47F797502FC9}" type="datetimeFigureOut">
               <a:rPr lang="en-US" smtClean="0"/>
-              <a:t>10/12/20</a:t>
+              <a:t>10/14/20</a:t>
             </a:fld>
             <a:endParaRPr lang="en-US" dirty="0"/>
           </a:p>
@@ -487,7 +487,7 @@
           <a:p>
             <a:fld id="{99AEB3A2-0A69-4187-B874-47F797502FC9}" type="datetimeFigureOut">
               <a:rPr lang="en-US" smtClean="0"/>
-              <a:t>10/12/20</a:t>
+              <a:t>10/14/20</a:t>
             </a:fld>
             <a:endParaRPr lang="en-US" dirty="0"/>
           </a:p>
@@ -695,7 +695,7 @@
           <a:p>
             <a:fld id="{99AEB3A2-0A69-4187-B874-47F797502FC9}" type="datetimeFigureOut">
               <a:rPr lang="en-US" smtClean="0"/>
-              <a:t>10/12/20</a:t>
+              <a:t>10/14/20</a:t>
             </a:fld>
             <a:endParaRPr lang="en-US" dirty="0"/>
           </a:p>
@@ -893,7 +893,7 @@
           <a:p>
             <a:fld id="{99AEB3A2-0A69-4187-B874-47F797502FC9}" type="datetimeFigureOut">
               <a:rPr lang="en-US" smtClean="0"/>
-              <a:t>10/12/20</a:t>
+              <a:t>10/14/20</a:t>
             </a:fld>
             <a:endParaRPr lang="en-US" dirty="0"/>
           </a:p>
@@ -1168,7 +1168,7 @@
           <a:p>
             <a:fld id="{99AEB3A2-0A69-4187-B874-47F797502FC9}" type="datetimeFigureOut">
               <a:rPr lang="en-US" smtClean="0"/>
-              <a:t>10/12/20</a:t>
+              <a:t>10/14/20</a:t>
             </a:fld>
             <a:endParaRPr lang="en-US" dirty="0"/>
           </a:p>
@@ -1433,7 +1433,7 @@
           <a:p>
             <a:fld id="{99AEB3A2-0A69-4187-B874-47F797502FC9}" type="datetimeFigureOut">
               <a:rPr lang="en-US" smtClean="0"/>
-              <a:t>10/12/20</a:t>
+              <a:t>10/14/20</a:t>
             </a:fld>
             <a:endParaRPr lang="en-US" dirty="0"/>
           </a:p>
@@ -1845,7 +1845,7 @@
           <a:p>
             <a:fld id="{99AEB3A2-0A69-4187-B874-47F797502FC9}" type="datetimeFigureOut">
               <a:rPr lang="en-US" smtClean="0"/>
-              <a:t>10/12/20</a:t>
+              <a:t>10/14/20</a:t>
             </a:fld>
             <a:endParaRPr lang="en-US" dirty="0"/>
           </a:p>
@@ -1986,7 +1986,7 @@
           <a:p>
             <a:fld id="{99AEB3A2-0A69-4187-B874-47F797502FC9}" type="datetimeFigureOut">
               <a:rPr lang="en-US" smtClean="0"/>
-              <a:t>10/12/20</a:t>
+              <a:t>10/14/20</a:t>
             </a:fld>
             <a:endParaRPr lang="en-US" dirty="0"/>
           </a:p>
@@ -2099,7 +2099,7 @@
           <a:p>
             <a:fld id="{99AEB3A2-0A69-4187-B874-47F797502FC9}" type="datetimeFigureOut">
               <a:rPr lang="en-US" smtClean="0"/>
-              <a:t>10/12/20</a:t>
+              <a:t>10/14/20</a:t>
             </a:fld>
             <a:endParaRPr lang="en-US" dirty="0"/>
           </a:p>
@@ -2410,7 +2410,7 @@
           <a:p>
             <a:fld id="{99AEB3A2-0A69-4187-B874-47F797502FC9}" type="datetimeFigureOut">
               <a:rPr lang="en-US" smtClean="0"/>
-              <a:t>10/12/20</a:t>
+              <a:t>10/14/20</a:t>
             </a:fld>
             <a:endParaRPr lang="en-US" dirty="0"/>
           </a:p>
@@ -2698,7 +2698,7 @@
           <a:p>
             <a:fld id="{99AEB3A2-0A69-4187-B874-47F797502FC9}" type="datetimeFigureOut">
               <a:rPr lang="en-US" smtClean="0"/>
-              <a:t>10/12/20</a:t>
+              <a:t>10/14/20</a:t>
             </a:fld>
             <a:endParaRPr lang="en-US" dirty="0"/>
           </a:p>
@@ -2939,7 +2939,7 @@
           <a:p>
             <a:fld id="{99AEB3A2-0A69-4187-B874-47F797502FC9}" type="datetimeFigureOut">
               <a:rPr lang="en-US" smtClean="0"/>
-              <a:t>10/12/20</a:t>
+              <a:t>10/14/20</a:t>
             </a:fld>
             <a:endParaRPr lang="en-US" dirty="0"/>
           </a:p>
@@ -3436,12 +3436,26 @@
               <a:rPr lang="en-US" dirty="0"/>
               <a:t>Dr. Philip Cannata and Nigel Jacobs</a:t>
             </a:r>
+            <a:endParaRPr lang="en-US" sz="2000" dirty="0"/>
           </a:p>
           <a:p>
             <a:pPr marL="0" indent="0" algn="ctr">
               <a:buNone/>
             </a:pPr>
-            <a:endParaRPr lang="en-US" dirty="0"/>
+            <a:r>
+              <a:rPr lang="en-US" sz="2000" dirty="0"/>
+              <a:t>( </a:t>
+            </a:r>
+            <a:r>
+              <a:rPr lang="en-US" sz="2000" dirty="0">
+                <a:hlinkClick r:id="rId3"/>
+              </a:rPr>
+              <a:t>https://analyticsanddatasummit.org/techcastdays</a:t>
+            </a:r>
+            <a:r>
+              <a:rPr lang="en-US" sz="2000" dirty="0"/>
+              <a:t> )</a:t>
+            </a:r>
           </a:p>
           <a:p>
             <a:pPr marL="0" indent="0" algn="ctr">
@@ -3459,9 +3473,28 @@
             <a:pPr marL="0" indent="0" algn="ctr">
               <a:buNone/>
             </a:pPr>
-            <a:r>
-              <a:rPr lang="en-US" dirty="0"/>
+            <a:endParaRPr lang="en-US" dirty="0"/>
+          </a:p>
+          <a:p>
+            <a:pPr marL="0" indent="0" algn="ctr">
+              <a:buNone/>
+            </a:pPr>
+            <a:r>
+              <a:rPr lang="en-US" dirty="0">
+                <a:solidFill>
+                  <a:srgbClr val="FF0000"/>
+                </a:solidFill>
+              </a:rPr>
               <a:t>Let’s Put the Application Complexity in the Database!</a:t>
+            </a:r>
+          </a:p>
+          <a:p>
+            <a:pPr marL="0" indent="0" algn="ctr">
+              <a:buNone/>
+            </a:pPr>
+            <a:r>
+              <a:rPr lang="en-US" sz="2000" dirty="0"/>
+              <a:t>(Business Rules, Data Partitioning, Application Provisioning)</a:t>
             </a:r>
           </a:p>
         </p:txBody>
@@ -3481,7 +3514,7 @@
           <p:nvPr/>
         </p:nvPicPr>
         <p:blipFill>
-          <a:blip r:embed="rId3"/>
+          <a:blip r:embed="rId4"/>
           <a:stretch>
             <a:fillRect/>
           </a:stretch>
@@ -7097,7 +7130,7 @@
         </p:spPr>
         <p:txBody>
           <a:bodyPr>
-            <a:normAutofit lnSpcReduction="10000"/>
+            <a:normAutofit fontScale="62500" lnSpcReduction="20000"/>
           </a:bodyPr>
           <a:lstStyle/>
           <a:p>
@@ -7111,7 +7144,7 @@
               <a:buNone/>
             </a:pPr>
             <a:r>
-              <a:rPr lang="en-US" sz="3200" dirty="0"/>
+              <a:rPr lang="en-US" sz="4500" dirty="0"/>
               <a:t>Building Rule-Based OLTP Systems Using Oracle RDF</a:t>
             </a:r>
           </a:p>
@@ -7120,10 +7153,9 @@
               <a:buNone/>
             </a:pPr>
             <a:r>
-              <a:rPr lang="en-US" sz="3200" dirty="0"/>
+              <a:rPr lang="en-US" sz="4500" dirty="0"/>
               <a:t>Links to the git repositories referenced in this presentation are in the Slack channel</a:t>
             </a:r>
-            <a:endParaRPr lang="en-US" dirty="0"/>
           </a:p>
           <a:p>
             <a:pPr marL="0" indent="0" algn="ctr">
@@ -7135,31 +7167,31 @@
             <a:pPr marL="0" indent="0" algn="ctr">
               <a:buNone/>
             </a:pPr>
-            <a:r>
-              <a:rPr lang="en-US" dirty="0">
-                <a:hlinkClick r:id="rId3"/>
-              </a:rPr>
-              <a:t>https://github.com/CannataUT/RDF-OLTP</a:t>
-            </a:r>
             <a:endParaRPr lang="en-US" dirty="0"/>
           </a:p>
           <a:p>
             <a:pPr marL="0" indent="0" algn="ctr">
               <a:buNone/>
             </a:pPr>
-            <a:endParaRPr lang="en-US" dirty="0"/>
+            <a:r>
+              <a:rPr lang="en-US" sz="2900" dirty="0">
+                <a:hlinkClick r:id="rId3"/>
+              </a:rPr>
+              <a:t>https://github.com/CannataUT/RDF-OLTP</a:t>
+            </a:r>
+            <a:endParaRPr lang="en-US" sz="2900" dirty="0"/>
           </a:p>
           <a:p>
             <a:pPr marL="0" indent="0" algn="ctr">
               <a:buNone/>
             </a:pPr>
             <a:r>
-              <a:rPr lang="en-US" dirty="0">
+              <a:rPr lang="en-US" sz="2900" dirty="0">
                 <a:hlinkClick r:id="rId4"/>
               </a:rPr>
               <a:t>https://github.com/CannataUT/MS-RDBMS</a:t>
             </a:r>
-            <a:endParaRPr lang="en-US" dirty="0"/>
+            <a:endParaRPr lang="en-US" sz="2900" dirty="0"/>
           </a:p>
           <a:p>
             <a:pPr marL="0" indent="0" algn="ctr">
@@ -7171,34 +7203,112 @@
             <a:pPr marL="0" indent="0" algn="ctr">
               <a:buNone/>
             </a:pPr>
-            <a:r>
-              <a:rPr lang="en-US" dirty="0"/>
+            <a:endParaRPr lang="en-US" dirty="0"/>
+          </a:p>
+          <a:p>
+            <a:pPr marL="0" indent="0" algn="ctr">
+              <a:buNone/>
+            </a:pPr>
+            <a:r>
+              <a:rPr lang="en-US" sz="2900" dirty="0">
+                <a:hlinkClick r:id="rId5"/>
+              </a:rPr>
+              <a:t>https://github.com/AnalyticsandDataOracleUserCommunity/Analytics/RDF-OLTP</a:t>
+            </a:r>
+            <a:endParaRPr lang="en-US" sz="2900" dirty="0"/>
+          </a:p>
+          <a:p>
+            <a:pPr marL="0" indent="0" algn="ctr">
+              <a:buNone/>
+            </a:pPr>
+            <a:r>
+              <a:rPr lang="en-US" sz="2900" dirty="0">
+                <a:hlinkClick r:id="rId5"/>
+              </a:rPr>
+              <a:t>https://</a:t>
+            </a:r>
+            <a:r>
+              <a:rPr lang="en-US" sz="2900" dirty="0" err="1">
+                <a:hlinkClick r:id="rId5"/>
+              </a:rPr>
+              <a:t>github.com</a:t>
+            </a:r>
+            <a:r>
+              <a:rPr lang="en-US" sz="2900" dirty="0">
+                <a:hlinkClick r:id="rId5"/>
+              </a:rPr>
+              <a:t>/</a:t>
+            </a:r>
+            <a:r>
+              <a:rPr lang="en-US" sz="2900" dirty="0" err="1">
+                <a:hlinkClick r:id="rId5"/>
+              </a:rPr>
+              <a:t>AnalyticsandDataOracleUserCommunity</a:t>
+            </a:r>
+            <a:r>
+              <a:rPr lang="en-US" sz="2900" dirty="0">
+                <a:hlinkClick r:id="rId5"/>
+              </a:rPr>
+              <a:t>/Analytics/RDF-OLTP/MS-RDBMS</a:t>
+            </a:r>
+            <a:endParaRPr lang="en-US" sz="2900" dirty="0"/>
+          </a:p>
+          <a:p>
+            <a:pPr marL="0" indent="0" algn="ctr">
+              <a:buNone/>
+            </a:pPr>
+            <a:endParaRPr lang="en-US" sz="2000" dirty="0"/>
+          </a:p>
+          <a:p>
+            <a:pPr marL="0" indent="0" algn="ctr">
+              <a:buNone/>
+            </a:pPr>
+            <a:endParaRPr lang="en-US" dirty="0"/>
+          </a:p>
+          <a:p>
+            <a:pPr marL="0" indent="0" algn="ctr">
+              <a:buNone/>
+            </a:pPr>
+            <a:endParaRPr lang="en-US" dirty="0"/>
+          </a:p>
+          <a:p>
+            <a:pPr marL="0" indent="0" algn="ctr">
+              <a:buNone/>
+            </a:pPr>
+            <a:endParaRPr lang="en-US" dirty="0"/>
+          </a:p>
+          <a:p>
+            <a:pPr marL="0" indent="0" algn="ctr">
+              <a:buNone/>
+            </a:pPr>
+            <a:r>
+              <a:rPr lang="en-US" sz="3200" dirty="0"/>
               <a:t>Question can be addressed to: </a:t>
             </a:r>
             <a:r>
-              <a:rPr lang="en-US" dirty="0">
-                <a:hlinkClick r:id="rId5"/>
+              <a:rPr lang="en-US" sz="3200" dirty="0">
+                <a:hlinkClick r:id="rId6"/>
               </a:rPr>
               <a:t>phil.cannata@oracle.com</a:t>
             </a:r>
             <a:r>
-              <a:rPr lang="en-US" dirty="0"/>
+              <a:rPr lang="en-US" sz="3200" dirty="0"/>
               <a:t> and </a:t>
             </a:r>
             <a:r>
-              <a:rPr lang="en-US" dirty="0" err="1"/>
+              <a:rPr lang="en-US" sz="3200" dirty="0" err="1"/>
               <a:t>nigel.jacobs@oracle.com</a:t>
             </a:r>
-            <a:endParaRPr lang="en-US" dirty="0"/>
+            <a:endParaRPr lang="en-US" sz="3200" dirty="0"/>
           </a:p>
         </p:txBody>
       </p:sp>
       <p:pic>
         <p:nvPicPr>
-          <p:cNvPr id="2" name="Picture 1">
+          <p:cNvPr id="3" name="Picture 2">
             <a:extLst>
               <a:ext uri="{FF2B5EF4-FFF2-40B4-BE49-F238E27FC236}">
-                <a16:creationId xmlns:a16="http://schemas.microsoft.com/office/drawing/2014/main" id="{28B667E8-63DF-C548-A8F9-2DAF68854C19}"/>
+                <a16:creationId xmlns:a16="http://schemas.microsoft.com/office/drawing/2014/main" id="{20E23F64-78BA-DB4D-8BC2-2A08509DD1B9}"/>
               </a:ext>
             </a:extLst>
           </p:cNvPr>
@@ -7207,65 +7317,143 @@
           </p:cNvPicPr>
           <p:nvPr/>
         </p:nvPicPr>
-        <p:blipFill rotWithShape="1">
-          <a:blip r:embed="rId6"/>
-          <a:srcRect l="55525" t="51995"/>
-          <a:stretch/>
+        <p:blipFill>
+          <a:blip r:embed="rId7"/>
+          <a:stretch>
+            <a:fillRect/>
+          </a:stretch>
         </p:blipFill>
         <p:spPr>
           <a:xfrm>
-            <a:off x="9712629" y="3370901"/>
-            <a:ext cx="1840992" cy="1651183"/>
+            <a:off x="139108" y="4539835"/>
+            <a:ext cx="1515967" cy="1648314"/>
           </a:xfrm>
           <a:prstGeom prst="rect">
             <a:avLst/>
           </a:prstGeom>
           <a:ln>
             <a:solidFill>
-              <a:srgbClr val="0070C0"/>
+              <a:schemeClr val="accent1"/>
             </a:solidFill>
           </a:ln>
         </p:spPr>
       </p:pic>
-      <p:cxnSp>
-        <p:nvCxnSpPr>
-          <p:cNvPr id="4" name="Straight Arrow Connector 3">
+      <p:sp>
+        <p:nvSpPr>
+          <p:cNvPr id="5" name="Rounded Rectangular Callout 4">
             <a:extLst>
               <a:ext uri="{FF2B5EF4-FFF2-40B4-BE49-F238E27FC236}">
-                <a16:creationId xmlns:a16="http://schemas.microsoft.com/office/drawing/2014/main" id="{A153A27E-B9D0-5D42-AD91-D8F73803723B}"/>
+                <a16:creationId xmlns:a16="http://schemas.microsoft.com/office/drawing/2014/main" id="{6DE1227C-306E-3946-BAF7-E1BC693F4DB1}"/>
               </a:ext>
             </a:extLst>
           </p:cNvPr>
-          <p:cNvCxnSpPr/>
+          <p:cNvSpPr/>
           <p:nvPr/>
-        </p:nvCxnSpPr>
+        </p:nvSpPr>
         <p:spPr>
           <a:xfrm>
-            <a:off x="9207795" y="4114800"/>
-            <a:ext cx="504834" cy="0"/>
+            <a:off x="8665534" y="2801679"/>
+            <a:ext cx="1318437" cy="717698"/>
           </a:xfrm>
-          <a:prstGeom prst="straightConnector1">
-            <a:avLst/>
+          <a:prstGeom prst="wedgeRoundRectCallout">
+            <a:avLst>
+              <a:gd name="adj1" fmla="val -87768"/>
+              <a:gd name="adj2" fmla="val 41759"/>
+              <a:gd name="adj3" fmla="val 16667"/>
+            </a:avLst>
           </a:prstGeom>
-          <a:ln>
-            <a:tailEnd type="triangle"/>
-          </a:ln>
+          <a:noFill/>
         </p:spPr>
         <p:style>
-          <a:lnRef idx="1">
-            <a:schemeClr val="accent1"/>
+          <a:lnRef idx="2">
+            <a:schemeClr val="accent1">
+              <a:shade val="50000"/>
+            </a:schemeClr>
           </a:lnRef>
-          <a:fillRef idx="0">
+          <a:fillRef idx="1">
             <a:schemeClr val="accent1"/>
           </a:fillRef>
           <a:effectRef idx="0">
             <a:schemeClr val="accent1"/>
           </a:effectRef>
           <a:fontRef idx="minor">
-            <a:schemeClr val="tx1"/>
+            <a:schemeClr val="lt1"/>
           </a:fontRef>
         </p:style>
-      </p:cxnSp>
+        <p:txBody>
+          <a:bodyPr rtlCol="0" anchor="ctr"/>
+          <a:lstStyle/>
+          <a:p>
+            <a:pPr algn="ctr"/>
+            <a:r>
+              <a:rPr lang="en-US" dirty="0">
+                <a:solidFill>
+                  <a:schemeClr val="tx1"/>
+                </a:solidFill>
+              </a:rPr>
+              <a:t>Current Repository</a:t>
+            </a:r>
+          </a:p>
+        </p:txBody>
+      </p:sp>
+      <p:sp>
+        <p:nvSpPr>
+          <p:cNvPr id="9" name="Rounded Rectangular Callout 8">
+            <a:extLst>
+              <a:ext uri="{FF2B5EF4-FFF2-40B4-BE49-F238E27FC236}">
+                <a16:creationId xmlns:a16="http://schemas.microsoft.com/office/drawing/2014/main" id="{E3C58C51-DB54-6742-8CC1-1DB700A01CCC}"/>
+              </a:ext>
+            </a:extLst>
+          </p:cNvPr>
+          <p:cNvSpPr/>
+          <p:nvPr/>
+        </p:nvSpPr>
+        <p:spPr>
+          <a:xfrm>
+            <a:off x="10428767" y="3478795"/>
+            <a:ext cx="1318437" cy="717698"/>
+          </a:xfrm>
+          <a:prstGeom prst="wedgeRoundRectCallout">
+            <a:avLst>
+              <a:gd name="adj1" fmla="val -92607"/>
+              <a:gd name="adj2" fmla="val 106944"/>
+              <a:gd name="adj3" fmla="val 16667"/>
+            </a:avLst>
+          </a:prstGeom>
+          <a:noFill/>
+        </p:spPr>
+        <p:style>
+          <a:lnRef idx="2">
+            <a:schemeClr val="accent1">
+              <a:shade val="50000"/>
+            </a:schemeClr>
+          </a:lnRef>
+          <a:fillRef idx="1">
+            <a:schemeClr val="accent1"/>
+          </a:fillRef>
+          <a:effectRef idx="0">
+            <a:schemeClr val="accent1"/>
+          </a:effectRef>
+          <a:fontRef idx="minor">
+            <a:schemeClr val="lt1"/>
+          </a:fontRef>
+        </p:style>
+        <p:txBody>
+          <a:bodyPr rtlCol="0" anchor="ctr"/>
+          <a:lstStyle/>
+          <a:p>
+            <a:pPr algn="ctr"/>
+            <a:r>
+              <a:rPr lang="en-US" dirty="0">
+                <a:solidFill>
+                  <a:schemeClr val="tx1"/>
+                </a:solidFill>
+              </a:rPr>
+              <a:t>Future Repository</a:t>
+            </a:r>
+          </a:p>
+        </p:txBody>
+      </p:sp>
     </p:spTree>
     <p:extLst>
       <p:ext uri="{BB962C8B-B14F-4D97-AF65-F5344CB8AC3E}">
